--- a/presentation/Presentation.pptx
+++ b/presentation/Presentation.pptx
@@ -5,10 +5,10 @@
     <p:sldMasterId id="2147483648" r:id="rId1"/>
   </p:sldMasterIdLst>
   <p:notesMasterIdLst>
-    <p:notesMasterId r:id="rId14"/>
+    <p:notesMasterId r:id="rId16"/>
   </p:notesMasterIdLst>
   <p:handoutMasterIdLst>
-    <p:handoutMasterId r:id="rId15"/>
+    <p:handoutMasterId r:id="rId17"/>
   </p:handoutMasterIdLst>
   <p:sldIdLst>
     <p:sldId id="256" r:id="rId2"/>
@@ -17,12 +17,14 @@
     <p:sldId id="257" r:id="rId5"/>
     <p:sldId id="262" r:id="rId6"/>
     <p:sldId id="265" r:id="rId7"/>
-    <p:sldId id="266" r:id="rId8"/>
-    <p:sldId id="267" r:id="rId9"/>
-    <p:sldId id="258" r:id="rId10"/>
-    <p:sldId id="259" r:id="rId11"/>
-    <p:sldId id="260" r:id="rId12"/>
-    <p:sldId id="261" r:id="rId13"/>
+    <p:sldId id="269" r:id="rId8"/>
+    <p:sldId id="268" r:id="rId9"/>
+    <p:sldId id="266" r:id="rId10"/>
+    <p:sldId id="267" r:id="rId11"/>
+    <p:sldId id="258" r:id="rId12"/>
+    <p:sldId id="259" r:id="rId13"/>
+    <p:sldId id="260" r:id="rId14"/>
+    <p:sldId id="261" r:id="rId15"/>
   </p:sldIdLst>
   <p:sldSz cx="9144000" cy="6858000" type="screen4x3"/>
   <p:notesSz cx="6858000" cy="9144000"/>
@@ -858,10 +860,10 @@
           <a:lstStyle/>
           <a:p>
             <a:r>
-              <a:rPr lang="en-US" smtClean="0"/>
-              <a:t>Presentation Title</a:t>
-            </a:r>
-            <a:endParaRPr lang="en-US"/>
+              <a:rPr lang="en-US" dirty="0" smtClean="0"/>
+              <a:t>Yelp Data Mining</a:t>
+            </a:r>
+            <a:endParaRPr lang="en-US" dirty="0"/>
           </a:p>
         </p:txBody>
       </p:sp>
@@ -1044,10 +1046,10 @@
           <a:lstStyle/>
           <a:p>
             <a:r>
-              <a:rPr lang="en-US" smtClean="0"/>
-              <a:t>Presentation Title</a:t>
-            </a:r>
-            <a:endParaRPr lang="en-US"/>
+              <a:rPr lang="en-US" dirty="0" smtClean="0"/>
+              <a:t>Yelp Data Mining</a:t>
+            </a:r>
+            <a:endParaRPr lang="en-US" dirty="0"/>
           </a:p>
         </p:txBody>
       </p:sp>
@@ -2264,11 +2266,10 @@
             </a:lvl1pPr>
           </a:lstStyle>
           <a:p>
-            <a:fld id="{3CC2E546-CF99-9342-A932-97B5BCE907EC}" type="datetime4">
-              <a:rPr lang="en-US" smtClean="0"/>
-              <a:pPr/>
-              <a:t>December 11, 2017</a:t>
-            </a:fld>
+            <a:r>
+              <a:rPr lang="en-US" dirty="0" smtClean="0"/>
+              <a:t>December 13, 2017</a:t>
+            </a:r>
             <a:endParaRPr lang="en-US" dirty="0"/>
           </a:p>
         </p:txBody>
@@ -2981,10 +2982,10 @@
           <a:lstStyle/>
           <a:p>
             <a:r>
-              <a:rPr lang="en-US" smtClean="0"/>
-              <a:t>Presentation Title</a:t>
-            </a:r>
-            <a:endParaRPr lang="en-US"/>
+              <a:rPr lang="en-US" dirty="0" smtClean="0"/>
+              <a:t>Yelp Data Mining</a:t>
+            </a:r>
+            <a:endParaRPr lang="en-US" dirty="0"/>
           </a:p>
         </p:txBody>
       </p:sp>
@@ -3076,7 +3077,7 @@
       </p:grpSpPr>
       <p:sp>
         <p:nvSpPr>
-          <p:cNvPr id="6" name="Title 5"/>
+          <p:cNvPr id="2" name="Title 1"/>
           <p:cNvSpPr>
             <a:spLocks noGrp="1"/>
           </p:cNvSpPr>
@@ -3093,7 +3094,7 @@
           <a:p>
             <a:r>
               <a:rPr lang="en-US" dirty="0" smtClean="0"/>
-              <a:t>Two Columns!?</a:t>
+              <a:t>Topic Model</a:t>
             </a:r>
             <a:endParaRPr lang="en-US" dirty="0"/>
           </a:p>
@@ -3101,81 +3102,26 @@
       </p:sp>
       <p:sp>
         <p:nvSpPr>
-          <p:cNvPr id="7" name="Content Placeholder 6"/>
-          <p:cNvSpPr>
-            <a:spLocks noGrp="1"/>
-          </p:cNvSpPr>
-          <p:nvPr>
-            <p:ph sz="half" idx="1"/>
-          </p:nvPr>
-        </p:nvSpPr>
-        <p:spPr/>
-        <p:txBody>
-          <a:bodyPr/>
-          <a:lstStyle/>
-          <a:p>
-            <a:r>
-              <a:rPr lang="en-US" dirty="0" smtClean="0"/>
-              <a:t>Left</a:t>
-            </a:r>
-          </a:p>
-          <a:p>
-            <a:pPr lvl="1"/>
-            <a:r>
-              <a:rPr lang="en-US" dirty="0" smtClean="0"/>
-              <a:t>Two</a:t>
-            </a:r>
-          </a:p>
-          <a:p>
-            <a:pPr lvl="2"/>
-            <a:r>
-              <a:rPr lang="en-US" dirty="0" smtClean="0"/>
-              <a:t>Three</a:t>
-            </a:r>
-            <a:endParaRPr lang="en-US" dirty="0"/>
-          </a:p>
-        </p:txBody>
-      </p:sp>
-      <p:sp>
-        <p:nvSpPr>
-          <p:cNvPr id="8" name="Content Placeholder 7"/>
-          <p:cNvSpPr>
-            <a:spLocks noGrp="1"/>
-          </p:cNvSpPr>
-          <p:nvPr>
-            <p:ph sz="half" idx="2"/>
-          </p:nvPr>
-        </p:nvSpPr>
-        <p:spPr/>
-        <p:txBody>
-          <a:bodyPr/>
-          <a:lstStyle/>
-          <a:p>
-            <a:r>
-              <a:rPr lang="en-US" dirty="0" smtClean="0"/>
-              <a:t>Right</a:t>
-            </a:r>
-          </a:p>
-          <a:p>
-            <a:pPr lvl="1"/>
-            <a:r>
-              <a:rPr lang="en-US" dirty="0" smtClean="0"/>
-              <a:t>Two</a:t>
-            </a:r>
-          </a:p>
-          <a:p>
-            <a:pPr lvl="2"/>
-            <a:r>
-              <a:rPr lang="en-US" dirty="0" smtClean="0"/>
-              <a:t>Three</a:t>
-            </a:r>
-            <a:endParaRPr lang="en-US" dirty="0"/>
-          </a:p>
-        </p:txBody>
-      </p:sp>
-      <p:sp>
-        <p:nvSpPr>
-          <p:cNvPr id="3" name="Date Placeholder 2"/>
+          <p:cNvPr id="3" name="Content Placeholder 2"/>
+          <p:cNvSpPr>
+            <a:spLocks noGrp="1"/>
+          </p:cNvSpPr>
+          <p:nvPr>
+            <p:ph idx="1"/>
+          </p:nvPr>
+        </p:nvSpPr>
+        <p:spPr/>
+        <p:txBody>
+          <a:bodyPr/>
+          <a:lstStyle/>
+          <a:p>
+            <a:endParaRPr lang="en-US"/>
+          </a:p>
+        </p:txBody>
+      </p:sp>
+      <p:sp>
+        <p:nvSpPr>
+          <p:cNvPr id="4" name="Date Placeholder 3"/>
           <p:cNvSpPr>
             <a:spLocks noGrp="1"/>
           </p:cNvSpPr>
@@ -3188,40 +3134,40 @@
           <a:bodyPr/>
           <a:lstStyle/>
           <a:p>
-            <a:fld id="{1E0BC179-B0FF-E142-B594-709DD80918F0}" type="datetime4">
+            <a:fld id="{7B14BF03-6D7C-EE41-A3D6-9AC2C5A314DE}" type="datetime4">
               <a:rPr lang="en-US" smtClean="0"/>
               <a:t>December 11, 2017</a:t>
             </a:fld>
+            <a:endParaRPr lang="en-US"/>
+          </a:p>
+        </p:txBody>
+      </p:sp>
+      <p:sp>
+        <p:nvSpPr>
+          <p:cNvPr id="5" name="Footer Placeholder 4"/>
+          <p:cNvSpPr>
+            <a:spLocks noGrp="1"/>
+          </p:cNvSpPr>
+          <p:nvPr>
+            <p:ph type="ftr" sz="quarter" idx="11"/>
+          </p:nvPr>
+        </p:nvSpPr>
+        <p:spPr/>
+        <p:txBody>
+          <a:bodyPr/>
+          <a:lstStyle/>
+          <a:p>
+            <a:r>
+              <a:rPr lang="en-US" dirty="0"/>
+              <a:t>Yelp Data Mining</a:t>
+            </a:r>
             <a:endParaRPr lang="en-US" dirty="0"/>
           </a:p>
         </p:txBody>
       </p:sp>
       <p:sp>
         <p:nvSpPr>
-          <p:cNvPr id="4" name="Footer Placeholder 3"/>
-          <p:cNvSpPr>
-            <a:spLocks noGrp="1"/>
-          </p:cNvSpPr>
-          <p:nvPr>
-            <p:ph type="ftr" sz="quarter" idx="11"/>
-          </p:nvPr>
-        </p:nvSpPr>
-        <p:spPr/>
-        <p:txBody>
-          <a:bodyPr/>
-          <a:lstStyle/>
-          <a:p>
-            <a:r>
-              <a:rPr lang="en-US" smtClean="0"/>
-              <a:t>Presentation Title</a:t>
-            </a:r>
-            <a:endParaRPr lang="en-US" dirty="0"/>
-          </a:p>
-        </p:txBody>
-      </p:sp>
-      <p:sp>
-        <p:nvSpPr>
-          <p:cNvPr id="5" name="Slide Number Placeholder 4"/>
+          <p:cNvPr id="6" name="Slide Number Placeholder 5"/>
           <p:cNvSpPr>
             <a:spLocks noGrp="1"/>
           </p:cNvSpPr>
@@ -3236,17 +3182,16 @@
           <a:p>
             <a:fld id="{A85782A5-310D-064D-97B2-7CD9DCF5F4D7}" type="slidenum">
               <a:rPr lang="en-US" smtClean="0"/>
-              <a:pPr/>
               <a:t>10</a:t>
             </a:fld>
-            <a:endParaRPr lang="en-US" dirty="0"/>
+            <a:endParaRPr lang="en-US"/>
           </a:p>
         </p:txBody>
       </p:sp>
     </p:spTree>
     <p:extLst>
       <p:ext uri="{BB962C8B-B14F-4D97-AF65-F5344CB8AC3E}">
-        <p14:creationId xmlns:p14="http://schemas.microsoft.com/office/powerpoint/2010/main" val="2892880740"/>
+        <p14:creationId xmlns:p14="http://schemas.microsoft.com/office/powerpoint/2010/main" val="265455434"/>
       </p:ext>
     </p:extLst>
   </p:cSld>
@@ -3282,7 +3227,7 @@
       </p:grpSpPr>
       <p:sp>
         <p:nvSpPr>
-          <p:cNvPr id="8" name="Title 7"/>
+          <p:cNvPr id="7" name="Title 6"/>
           <p:cNvSpPr>
             <a:spLocks noGrp="1"/>
           </p:cNvSpPr>
@@ -3299,7 +3244,7 @@
           <a:p>
             <a:r>
               <a:rPr lang="en-US" dirty="0" smtClean="0"/>
-              <a:t>Comparison!</a:t>
+              <a:t>Title Only!</a:t>
             </a:r>
             <a:endParaRPr lang="en-US" dirty="0"/>
           </a:p>
@@ -3307,80 +3252,7 @@
       </p:sp>
       <p:sp>
         <p:nvSpPr>
-          <p:cNvPr id="10" name="Content Placeholder 9"/>
-          <p:cNvSpPr>
-            <a:spLocks noGrp="1"/>
-          </p:cNvSpPr>
-          <p:nvPr>
-            <p:ph sz="half" idx="2"/>
-          </p:nvPr>
-        </p:nvSpPr>
-        <p:spPr/>
-        <p:txBody>
-          <a:bodyPr/>
-          <a:lstStyle/>
-          <a:p>
-            <a:r>
-              <a:rPr lang="en-US" dirty="0" smtClean="0"/>
-              <a:t>One</a:t>
-            </a:r>
-          </a:p>
-          <a:p>
-            <a:pPr lvl="1"/>
-            <a:r>
-              <a:rPr lang="en-US" dirty="0" smtClean="0"/>
-              <a:t>Two</a:t>
-            </a:r>
-          </a:p>
-          <a:p>
-            <a:pPr lvl="2"/>
-            <a:r>
-              <a:rPr lang="en-US" dirty="0" smtClean="0"/>
-              <a:t>Three</a:t>
-            </a:r>
-            <a:endParaRPr lang="en-US" dirty="0"/>
-          </a:p>
-        </p:txBody>
-      </p:sp>
-      <p:sp>
-        <p:nvSpPr>
-          <p:cNvPr id="12" name="Content Placeholder 11"/>
-          <p:cNvSpPr>
-            <a:spLocks noGrp="1"/>
-          </p:cNvSpPr>
-          <p:nvPr>
-            <p:ph sz="quarter" idx="4"/>
-          </p:nvPr>
-        </p:nvSpPr>
-        <p:spPr/>
-        <p:txBody>
-          <a:bodyPr/>
-          <a:lstStyle/>
-          <a:p>
-            <a:r>
-              <a:rPr lang="en-US" dirty="0" smtClean="0"/>
-              <a:t>A</a:t>
-            </a:r>
-          </a:p>
-          <a:p>
-            <a:pPr lvl="1"/>
-            <a:r>
-              <a:rPr lang="en-US" dirty="0" smtClean="0"/>
-              <a:t>B</a:t>
-            </a:r>
-          </a:p>
-          <a:p>
-            <a:pPr lvl="2"/>
-            <a:r>
-              <a:rPr lang="en-US" dirty="0"/>
-              <a:t>C</a:t>
-            </a:r>
-          </a:p>
-        </p:txBody>
-      </p:sp>
-      <p:sp>
-        <p:nvSpPr>
-          <p:cNvPr id="5" name="Date Placeholder 4"/>
+          <p:cNvPr id="4" name="Date Placeholder 3"/>
           <p:cNvSpPr>
             <a:spLocks noGrp="1"/>
           </p:cNvSpPr>
@@ -3393,7 +3265,7 @@
           <a:bodyPr/>
           <a:lstStyle/>
           <a:p>
-            <a:fld id="{362B01BD-E5A1-B646-B644-EB2636DDBEF6}" type="datetime4">
+            <a:fld id="{DE8A11AC-E8D7-AC43-AFE2-3ED729813C1F}" type="datetime4">
               <a:rPr lang="en-US" smtClean="0"/>
               <a:t>December 11, 2017</a:t>
             </a:fld>
@@ -3403,7 +3275,7 @@
       </p:sp>
       <p:sp>
         <p:nvSpPr>
-          <p:cNvPr id="6" name="Footer Placeholder 5"/>
+          <p:cNvPr id="5" name="Footer Placeholder 4"/>
           <p:cNvSpPr>
             <a:spLocks noGrp="1"/>
           </p:cNvSpPr>
@@ -3426,7 +3298,7 @@
       </p:sp>
       <p:sp>
         <p:nvSpPr>
-          <p:cNvPr id="7" name="Slide Number Placeholder 6"/>
+          <p:cNvPr id="6" name="Slide Number Placeholder 5"/>
           <p:cNvSpPr>
             <a:spLocks noGrp="1"/>
           </p:cNvSpPr>
@@ -3447,56 +3319,10 @@
           </a:p>
         </p:txBody>
       </p:sp>
-      <p:sp>
-        <p:nvSpPr>
-          <p:cNvPr id="9" name="Text Placeholder 8"/>
-          <p:cNvSpPr>
-            <a:spLocks noGrp="1"/>
-          </p:cNvSpPr>
-          <p:nvPr>
-            <p:ph type="body" idx="1"/>
-          </p:nvPr>
-        </p:nvSpPr>
-        <p:spPr/>
-        <p:txBody>
-          <a:bodyPr/>
-          <a:lstStyle/>
-          <a:p>
-            <a:r>
-              <a:rPr lang="en-US" dirty="0" smtClean="0"/>
-              <a:t>One One Hand</a:t>
-            </a:r>
-            <a:endParaRPr lang="en-US" dirty="0"/>
-          </a:p>
-        </p:txBody>
-      </p:sp>
-      <p:sp>
-        <p:nvSpPr>
-          <p:cNvPr id="11" name="Text Placeholder 10"/>
-          <p:cNvSpPr>
-            <a:spLocks noGrp="1"/>
-          </p:cNvSpPr>
-          <p:nvPr>
-            <p:ph type="body" sz="quarter" idx="3"/>
-          </p:nvPr>
-        </p:nvSpPr>
-        <p:spPr/>
-        <p:txBody>
-          <a:bodyPr/>
-          <a:lstStyle/>
-          <a:p>
-            <a:r>
-              <a:rPr lang="en-US" dirty="0" smtClean="0"/>
-              <a:t>But Then Again</a:t>
-            </a:r>
-            <a:endParaRPr lang="en-US" dirty="0"/>
-          </a:p>
-        </p:txBody>
-      </p:sp>
     </p:spTree>
     <p:extLst>
       <p:ext uri="{BB962C8B-B14F-4D97-AF65-F5344CB8AC3E}">
-        <p14:creationId xmlns:p14="http://schemas.microsoft.com/office/powerpoint/2010/main" val="996600284"/>
+        <p14:creationId xmlns:p14="http://schemas.microsoft.com/office/powerpoint/2010/main" val="927626367"/>
       </p:ext>
     </p:extLst>
   </p:cSld>
@@ -3532,7 +3358,7 @@
       </p:grpSpPr>
       <p:sp>
         <p:nvSpPr>
-          <p:cNvPr id="10" name="Title 9"/>
+          <p:cNvPr id="6" name="Title 5"/>
           <p:cNvSpPr>
             <a:spLocks noGrp="1"/>
           </p:cNvSpPr>
@@ -3549,6 +3375,462 @@
           <a:p>
             <a:r>
               <a:rPr lang="en-US" dirty="0" smtClean="0"/>
+              <a:t>Two Columns!?</a:t>
+            </a:r>
+            <a:endParaRPr lang="en-US" dirty="0"/>
+          </a:p>
+        </p:txBody>
+      </p:sp>
+      <p:sp>
+        <p:nvSpPr>
+          <p:cNvPr id="7" name="Content Placeholder 6"/>
+          <p:cNvSpPr>
+            <a:spLocks noGrp="1"/>
+          </p:cNvSpPr>
+          <p:nvPr>
+            <p:ph sz="half" idx="1"/>
+          </p:nvPr>
+        </p:nvSpPr>
+        <p:spPr/>
+        <p:txBody>
+          <a:bodyPr/>
+          <a:lstStyle/>
+          <a:p>
+            <a:r>
+              <a:rPr lang="en-US" dirty="0" smtClean="0"/>
+              <a:t>Left</a:t>
+            </a:r>
+          </a:p>
+          <a:p>
+            <a:pPr lvl="1"/>
+            <a:r>
+              <a:rPr lang="en-US" dirty="0" smtClean="0"/>
+              <a:t>Two</a:t>
+            </a:r>
+          </a:p>
+          <a:p>
+            <a:pPr lvl="2"/>
+            <a:r>
+              <a:rPr lang="en-US" dirty="0" smtClean="0"/>
+              <a:t>Three</a:t>
+            </a:r>
+            <a:endParaRPr lang="en-US" dirty="0"/>
+          </a:p>
+        </p:txBody>
+      </p:sp>
+      <p:sp>
+        <p:nvSpPr>
+          <p:cNvPr id="8" name="Content Placeholder 7"/>
+          <p:cNvSpPr>
+            <a:spLocks noGrp="1"/>
+          </p:cNvSpPr>
+          <p:nvPr>
+            <p:ph sz="half" idx="2"/>
+          </p:nvPr>
+        </p:nvSpPr>
+        <p:spPr/>
+        <p:txBody>
+          <a:bodyPr/>
+          <a:lstStyle/>
+          <a:p>
+            <a:r>
+              <a:rPr lang="en-US" dirty="0" smtClean="0"/>
+              <a:t>Right</a:t>
+            </a:r>
+          </a:p>
+          <a:p>
+            <a:pPr lvl="1"/>
+            <a:r>
+              <a:rPr lang="en-US" dirty="0" smtClean="0"/>
+              <a:t>Two</a:t>
+            </a:r>
+          </a:p>
+          <a:p>
+            <a:pPr lvl="2"/>
+            <a:r>
+              <a:rPr lang="en-US" dirty="0" smtClean="0"/>
+              <a:t>Three</a:t>
+            </a:r>
+            <a:endParaRPr lang="en-US" dirty="0"/>
+          </a:p>
+        </p:txBody>
+      </p:sp>
+      <p:sp>
+        <p:nvSpPr>
+          <p:cNvPr id="3" name="Date Placeholder 2"/>
+          <p:cNvSpPr>
+            <a:spLocks noGrp="1"/>
+          </p:cNvSpPr>
+          <p:nvPr>
+            <p:ph type="dt" sz="half" idx="10"/>
+          </p:nvPr>
+        </p:nvSpPr>
+        <p:spPr/>
+        <p:txBody>
+          <a:bodyPr/>
+          <a:lstStyle/>
+          <a:p>
+            <a:fld id="{1E0BC179-B0FF-E142-B594-709DD80918F0}" type="datetime4">
+              <a:rPr lang="en-US" smtClean="0"/>
+              <a:t>December 11, 2017</a:t>
+            </a:fld>
+            <a:endParaRPr lang="en-US" dirty="0"/>
+          </a:p>
+        </p:txBody>
+      </p:sp>
+      <p:sp>
+        <p:nvSpPr>
+          <p:cNvPr id="4" name="Footer Placeholder 3"/>
+          <p:cNvSpPr>
+            <a:spLocks noGrp="1"/>
+          </p:cNvSpPr>
+          <p:nvPr>
+            <p:ph type="ftr" sz="quarter" idx="11"/>
+          </p:nvPr>
+        </p:nvSpPr>
+        <p:spPr/>
+        <p:txBody>
+          <a:bodyPr/>
+          <a:lstStyle/>
+          <a:p>
+            <a:r>
+              <a:rPr lang="en-US" smtClean="0"/>
+              <a:t>Presentation Title</a:t>
+            </a:r>
+            <a:endParaRPr lang="en-US" dirty="0"/>
+          </a:p>
+        </p:txBody>
+      </p:sp>
+      <p:sp>
+        <p:nvSpPr>
+          <p:cNvPr id="5" name="Slide Number Placeholder 4"/>
+          <p:cNvSpPr>
+            <a:spLocks noGrp="1"/>
+          </p:cNvSpPr>
+          <p:nvPr>
+            <p:ph type="sldNum" sz="quarter" idx="12"/>
+          </p:nvPr>
+        </p:nvSpPr>
+        <p:spPr/>
+        <p:txBody>
+          <a:bodyPr/>
+          <a:lstStyle/>
+          <a:p>
+            <a:fld id="{A85782A5-310D-064D-97B2-7CD9DCF5F4D7}" type="slidenum">
+              <a:rPr lang="en-US" smtClean="0"/>
+              <a:pPr/>
+              <a:t>12</a:t>
+            </a:fld>
+            <a:endParaRPr lang="en-US" dirty="0"/>
+          </a:p>
+        </p:txBody>
+      </p:sp>
+    </p:spTree>
+    <p:extLst>
+      <p:ext uri="{BB962C8B-B14F-4D97-AF65-F5344CB8AC3E}">
+        <p14:creationId xmlns:p14="http://schemas.microsoft.com/office/powerpoint/2010/main" val="2892880740"/>
+      </p:ext>
+    </p:extLst>
+  </p:cSld>
+  <p:clrMapOvr>
+    <a:masterClrMapping/>
+  </p:clrMapOvr>
+  <p:timing>
+    <p:tnLst>
+      <p:par>
+        <p:cTn id="1" dur="indefinite" restart="never" nodeType="tmRoot"/>
+      </p:par>
+    </p:tnLst>
+  </p:timing>
+</p:sld>
+</file>
+
+<file path=ppt/slides/slide13.xml><?xml version="1.0" encoding="utf-8"?>
+<p:sld xmlns:a="http://schemas.openxmlformats.org/drawingml/2006/main" xmlns:r="http://schemas.openxmlformats.org/officeDocument/2006/relationships" xmlns:p="http://schemas.openxmlformats.org/presentationml/2006/main">
+  <p:cSld>
+    <p:spTree>
+      <p:nvGrpSpPr>
+        <p:cNvPr id="1" name=""/>
+        <p:cNvGrpSpPr/>
+        <p:nvPr/>
+      </p:nvGrpSpPr>
+      <p:grpSpPr>
+        <a:xfrm>
+          <a:off x="0" y="0"/>
+          <a:ext cx="0" cy="0"/>
+          <a:chOff x="0" y="0"/>
+          <a:chExt cx="0" cy="0"/>
+        </a:xfrm>
+      </p:grpSpPr>
+      <p:sp>
+        <p:nvSpPr>
+          <p:cNvPr id="8" name="Title 7"/>
+          <p:cNvSpPr>
+            <a:spLocks noGrp="1"/>
+          </p:cNvSpPr>
+          <p:nvPr>
+            <p:ph type="title"/>
+          </p:nvPr>
+        </p:nvSpPr>
+        <p:spPr/>
+        <p:txBody>
+          <a:bodyPr>
+            <a:normAutofit fontScale="90000"/>
+          </a:bodyPr>
+          <a:lstStyle/>
+          <a:p>
+            <a:r>
+              <a:rPr lang="en-US" dirty="0" smtClean="0"/>
+              <a:t>Comparison!</a:t>
+            </a:r>
+            <a:endParaRPr lang="en-US" dirty="0"/>
+          </a:p>
+        </p:txBody>
+      </p:sp>
+      <p:sp>
+        <p:nvSpPr>
+          <p:cNvPr id="10" name="Content Placeholder 9"/>
+          <p:cNvSpPr>
+            <a:spLocks noGrp="1"/>
+          </p:cNvSpPr>
+          <p:nvPr>
+            <p:ph sz="half" idx="2"/>
+          </p:nvPr>
+        </p:nvSpPr>
+        <p:spPr/>
+        <p:txBody>
+          <a:bodyPr/>
+          <a:lstStyle/>
+          <a:p>
+            <a:r>
+              <a:rPr lang="en-US" dirty="0" smtClean="0"/>
+              <a:t>One</a:t>
+            </a:r>
+          </a:p>
+          <a:p>
+            <a:pPr lvl="1"/>
+            <a:r>
+              <a:rPr lang="en-US" dirty="0" smtClean="0"/>
+              <a:t>Two</a:t>
+            </a:r>
+          </a:p>
+          <a:p>
+            <a:pPr lvl="2"/>
+            <a:r>
+              <a:rPr lang="en-US" dirty="0" smtClean="0"/>
+              <a:t>Three</a:t>
+            </a:r>
+            <a:endParaRPr lang="en-US" dirty="0"/>
+          </a:p>
+        </p:txBody>
+      </p:sp>
+      <p:sp>
+        <p:nvSpPr>
+          <p:cNvPr id="12" name="Content Placeholder 11"/>
+          <p:cNvSpPr>
+            <a:spLocks noGrp="1"/>
+          </p:cNvSpPr>
+          <p:nvPr>
+            <p:ph sz="quarter" idx="4"/>
+          </p:nvPr>
+        </p:nvSpPr>
+        <p:spPr/>
+        <p:txBody>
+          <a:bodyPr/>
+          <a:lstStyle/>
+          <a:p>
+            <a:r>
+              <a:rPr lang="en-US" dirty="0" smtClean="0"/>
+              <a:t>A</a:t>
+            </a:r>
+          </a:p>
+          <a:p>
+            <a:pPr lvl="1"/>
+            <a:r>
+              <a:rPr lang="en-US" dirty="0" smtClean="0"/>
+              <a:t>B</a:t>
+            </a:r>
+          </a:p>
+          <a:p>
+            <a:pPr lvl="2"/>
+            <a:r>
+              <a:rPr lang="en-US" dirty="0"/>
+              <a:t>C</a:t>
+            </a:r>
+          </a:p>
+        </p:txBody>
+      </p:sp>
+      <p:sp>
+        <p:nvSpPr>
+          <p:cNvPr id="5" name="Date Placeholder 4"/>
+          <p:cNvSpPr>
+            <a:spLocks noGrp="1"/>
+          </p:cNvSpPr>
+          <p:nvPr>
+            <p:ph type="dt" sz="half" idx="10"/>
+          </p:nvPr>
+        </p:nvSpPr>
+        <p:spPr/>
+        <p:txBody>
+          <a:bodyPr/>
+          <a:lstStyle/>
+          <a:p>
+            <a:fld id="{362B01BD-E5A1-B646-B644-EB2636DDBEF6}" type="datetime4">
+              <a:rPr lang="en-US" smtClean="0"/>
+              <a:t>December 11, 2017</a:t>
+            </a:fld>
+            <a:endParaRPr lang="en-US"/>
+          </a:p>
+        </p:txBody>
+      </p:sp>
+      <p:sp>
+        <p:nvSpPr>
+          <p:cNvPr id="6" name="Footer Placeholder 5"/>
+          <p:cNvSpPr>
+            <a:spLocks noGrp="1"/>
+          </p:cNvSpPr>
+          <p:nvPr>
+            <p:ph type="ftr" sz="quarter" idx="11"/>
+          </p:nvPr>
+        </p:nvSpPr>
+        <p:spPr/>
+        <p:txBody>
+          <a:bodyPr/>
+          <a:lstStyle/>
+          <a:p>
+            <a:r>
+              <a:rPr lang="en-US" smtClean="0"/>
+              <a:t>Presentation Title</a:t>
+            </a:r>
+            <a:endParaRPr lang="en-US"/>
+          </a:p>
+        </p:txBody>
+      </p:sp>
+      <p:sp>
+        <p:nvSpPr>
+          <p:cNvPr id="7" name="Slide Number Placeholder 6"/>
+          <p:cNvSpPr>
+            <a:spLocks noGrp="1"/>
+          </p:cNvSpPr>
+          <p:nvPr>
+            <p:ph type="sldNum" sz="quarter" idx="12"/>
+          </p:nvPr>
+        </p:nvSpPr>
+        <p:spPr/>
+        <p:txBody>
+          <a:bodyPr/>
+          <a:lstStyle/>
+          <a:p>
+            <a:fld id="{A85782A5-310D-064D-97B2-7CD9DCF5F4D7}" type="slidenum">
+              <a:rPr lang="en-US" smtClean="0"/>
+              <a:t>13</a:t>
+            </a:fld>
+            <a:endParaRPr lang="en-US"/>
+          </a:p>
+        </p:txBody>
+      </p:sp>
+      <p:sp>
+        <p:nvSpPr>
+          <p:cNvPr id="9" name="Text Placeholder 8"/>
+          <p:cNvSpPr>
+            <a:spLocks noGrp="1"/>
+          </p:cNvSpPr>
+          <p:nvPr>
+            <p:ph type="body" idx="1"/>
+          </p:nvPr>
+        </p:nvSpPr>
+        <p:spPr/>
+        <p:txBody>
+          <a:bodyPr/>
+          <a:lstStyle/>
+          <a:p>
+            <a:r>
+              <a:rPr lang="en-US" dirty="0" smtClean="0"/>
+              <a:t>One One Hand</a:t>
+            </a:r>
+            <a:endParaRPr lang="en-US" dirty="0"/>
+          </a:p>
+        </p:txBody>
+      </p:sp>
+      <p:sp>
+        <p:nvSpPr>
+          <p:cNvPr id="11" name="Text Placeholder 10"/>
+          <p:cNvSpPr>
+            <a:spLocks noGrp="1"/>
+          </p:cNvSpPr>
+          <p:nvPr>
+            <p:ph type="body" sz="quarter" idx="3"/>
+          </p:nvPr>
+        </p:nvSpPr>
+        <p:spPr/>
+        <p:txBody>
+          <a:bodyPr/>
+          <a:lstStyle/>
+          <a:p>
+            <a:r>
+              <a:rPr lang="en-US" dirty="0" smtClean="0"/>
+              <a:t>But Then Again</a:t>
+            </a:r>
+            <a:endParaRPr lang="en-US" dirty="0"/>
+          </a:p>
+        </p:txBody>
+      </p:sp>
+    </p:spTree>
+    <p:extLst>
+      <p:ext uri="{BB962C8B-B14F-4D97-AF65-F5344CB8AC3E}">
+        <p14:creationId xmlns:p14="http://schemas.microsoft.com/office/powerpoint/2010/main" val="996600284"/>
+      </p:ext>
+    </p:extLst>
+  </p:cSld>
+  <p:clrMapOvr>
+    <a:masterClrMapping/>
+  </p:clrMapOvr>
+  <p:timing>
+    <p:tnLst>
+      <p:par>
+        <p:cTn id="1" dur="indefinite" restart="never" nodeType="tmRoot"/>
+      </p:par>
+    </p:tnLst>
+  </p:timing>
+</p:sld>
+</file>
+
+<file path=ppt/slides/slide14.xml><?xml version="1.0" encoding="utf-8"?>
+<p:sld xmlns:a="http://schemas.openxmlformats.org/drawingml/2006/main" xmlns:r="http://schemas.openxmlformats.org/officeDocument/2006/relationships" xmlns:p="http://schemas.openxmlformats.org/presentationml/2006/main">
+  <p:cSld>
+    <p:spTree>
+      <p:nvGrpSpPr>
+        <p:cNvPr id="1" name=""/>
+        <p:cNvGrpSpPr/>
+        <p:nvPr/>
+      </p:nvGrpSpPr>
+      <p:grpSpPr>
+        <a:xfrm>
+          <a:off x="0" y="0"/>
+          <a:ext cx="0" cy="0"/>
+          <a:chOff x="0" y="0"/>
+          <a:chExt cx="0" cy="0"/>
+        </a:xfrm>
+      </p:grpSpPr>
+      <p:sp>
+        <p:nvSpPr>
+          <p:cNvPr id="10" name="Title 9"/>
+          <p:cNvSpPr>
+            <a:spLocks noGrp="1"/>
+          </p:cNvSpPr>
+          <p:nvPr>
+            <p:ph type="title"/>
+          </p:nvPr>
+        </p:nvSpPr>
+        <p:spPr/>
+        <p:txBody>
+          <a:bodyPr>
+            <a:normAutofit fontScale="90000"/>
+          </a:bodyPr>
+          <a:lstStyle/>
+          <a:p>
+            <a:r>
+              <a:rPr lang="en-US" dirty="0" smtClean="0"/>
               <a:t>The End :)</a:t>
             </a:r>
             <a:endParaRPr lang="en-US" dirty="0"/>
@@ -3644,7 +3926,7 @@
           <a:p>
             <a:fld id="{A85782A5-310D-064D-97B2-7CD9DCF5F4D7}" type="slidenum">
               <a:rPr lang="en-US" smtClean="0"/>
-              <a:t>12</a:t>
+              <a:t>14</a:t>
             </a:fld>
             <a:endParaRPr lang="en-US"/>
           </a:p>
@@ -3770,10 +4052,10 @@
           <a:lstStyle/>
           <a:p>
             <a:r>
-              <a:rPr lang="en-US" smtClean="0"/>
-              <a:t>Presentation Title</a:t>
-            </a:r>
-            <a:endParaRPr lang="en-US"/>
+              <a:rPr lang="en-US" dirty="0"/>
+              <a:t>Yelp Data Mining</a:t>
+            </a:r>
+            <a:endParaRPr lang="en-US" dirty="0"/>
           </a:p>
         </p:txBody>
       </p:sp>
@@ -3949,10 +4231,10 @@
           <a:lstStyle/>
           <a:p>
             <a:r>
-              <a:rPr lang="en-US" smtClean="0"/>
-              <a:t>Presentation Title</a:t>
-            </a:r>
-            <a:endParaRPr lang="en-US"/>
+              <a:rPr lang="en-US" dirty="0"/>
+              <a:t>Yelp Data Mining</a:t>
+            </a:r>
+            <a:endParaRPr lang="en-US" dirty="0"/>
           </a:p>
         </p:txBody>
       </p:sp>
@@ -4137,10 +4419,10 @@
           <a:lstStyle/>
           <a:p>
             <a:r>
-              <a:rPr lang="en-US" smtClean="0"/>
-              <a:t>Presentation Title</a:t>
-            </a:r>
-            <a:endParaRPr lang="en-US"/>
+              <a:rPr lang="en-US" dirty="0"/>
+              <a:t>Yelp Data Mining</a:t>
+            </a:r>
+            <a:endParaRPr lang="en-US" dirty="0"/>
           </a:p>
         </p:txBody>
       </p:sp>
@@ -4389,10 +4671,10 @@
           <a:lstStyle/>
           <a:p>
             <a:r>
-              <a:rPr lang="en-US" smtClean="0"/>
-              <a:t>Presentation Title</a:t>
-            </a:r>
-            <a:endParaRPr lang="en-US"/>
+              <a:rPr lang="en-US" dirty="0"/>
+              <a:t>Yelp Data Mining</a:t>
+            </a:r>
+            <a:endParaRPr lang="en-US" dirty="0"/>
           </a:p>
         </p:txBody>
       </p:sp>
@@ -4496,7 +4778,23 @@
           <a:bodyPr/>
           <a:lstStyle/>
           <a:p>
-            <a:endParaRPr lang="en-US"/>
+            <a:r>
+              <a:rPr lang="en-US" dirty="0" smtClean="0"/>
+              <a:t>K-Means</a:t>
+            </a:r>
+          </a:p>
+          <a:p>
+            <a:r>
+              <a:rPr lang="en-US" dirty="0" smtClean="0"/>
+              <a:t>GMM</a:t>
+            </a:r>
+          </a:p>
+          <a:p>
+            <a:r>
+              <a:rPr lang="en-US" dirty="0" smtClean="0"/>
+              <a:t>DBSCAN</a:t>
+            </a:r>
+            <a:endParaRPr lang="en-US" dirty="0"/>
           </a:p>
         </p:txBody>
       </p:sp>
@@ -4539,10 +4837,10 @@
           <a:lstStyle/>
           <a:p>
             <a:r>
-              <a:rPr lang="en-US" smtClean="0"/>
-              <a:t>Presentation Title</a:t>
-            </a:r>
-            <a:endParaRPr lang="en-US"/>
+              <a:rPr lang="en-US" dirty="0"/>
+              <a:t>Yelp Data Mining</a:t>
+            </a:r>
+            <a:endParaRPr lang="en-US" dirty="0"/>
           </a:p>
         </p:txBody>
       </p:sp>
@@ -4569,6 +4867,96 @@
           </a:p>
         </p:txBody>
       </p:sp>
+      <p:pic>
+        <p:nvPicPr>
+          <p:cNvPr id="7" name="Picture 6"/>
+          <p:cNvPicPr>
+            <a:picLocks noChangeAspect="1"/>
+          </p:cNvPicPr>
+          <p:nvPr/>
+        </p:nvPicPr>
+        <p:blipFill>
+          <a:blip r:embed="rId2">
+            <a:extLst>
+              <a:ext uri="{28A0092B-C50C-407E-A947-70E740481C1C}">
+                <a14:useLocalDpi xmlns:a14="http://schemas.microsoft.com/office/drawing/2010/main" val="0"/>
+              </a:ext>
+            </a:extLst>
+          </a:blip>
+          <a:stretch>
+            <a:fillRect/>
+          </a:stretch>
+        </p:blipFill>
+        <p:spPr>
+          <a:xfrm>
+            <a:off x="4151376" y="3859796"/>
+            <a:ext cx="4535424" cy="2181098"/>
+          </a:xfrm>
+          <a:prstGeom prst="rect">
+            <a:avLst/>
+          </a:prstGeom>
+        </p:spPr>
+      </p:pic>
+      <p:pic>
+        <p:nvPicPr>
+          <p:cNvPr id="8" name="Picture 7"/>
+          <p:cNvPicPr>
+            <a:picLocks noChangeAspect="1"/>
+          </p:cNvPicPr>
+          <p:nvPr/>
+        </p:nvPicPr>
+        <p:blipFill>
+          <a:blip r:embed="rId3">
+            <a:extLst>
+              <a:ext uri="{28A0092B-C50C-407E-A947-70E740481C1C}">
+                <a14:useLocalDpi xmlns:a14="http://schemas.microsoft.com/office/drawing/2010/main" val="0"/>
+              </a:ext>
+            </a:extLst>
+          </a:blip>
+          <a:stretch>
+            <a:fillRect/>
+          </a:stretch>
+        </p:blipFill>
+        <p:spPr>
+          <a:xfrm>
+            <a:off x="658368" y="3955511"/>
+            <a:ext cx="2984500" cy="1989667"/>
+          </a:xfrm>
+          <a:prstGeom prst="rect">
+            <a:avLst/>
+          </a:prstGeom>
+        </p:spPr>
+      </p:pic>
+      <p:pic>
+        <p:nvPicPr>
+          <p:cNvPr id="9" name="Picture 8"/>
+          <p:cNvPicPr>
+            <a:picLocks noChangeAspect="1"/>
+          </p:cNvPicPr>
+          <p:nvPr/>
+        </p:nvPicPr>
+        <p:blipFill>
+          <a:blip r:embed="rId4">
+            <a:extLst>
+              <a:ext uri="{28A0092B-C50C-407E-A947-70E740481C1C}">
+                <a14:useLocalDpi xmlns:a14="http://schemas.microsoft.com/office/drawing/2010/main" val="0"/>
+              </a:ext>
+            </a:extLst>
+          </a:blip>
+          <a:stretch>
+            <a:fillRect/>
+          </a:stretch>
+        </p:blipFill>
+        <p:spPr>
+          <a:xfrm>
+            <a:off x="4151376" y="1232210"/>
+            <a:ext cx="4242816" cy="2681224"/>
+          </a:xfrm>
+          <a:prstGeom prst="rect">
+            <a:avLst/>
+          </a:prstGeom>
+        </p:spPr>
+      </p:pic>
     </p:spTree>
     <p:extLst>
       <p:ext uri="{BB962C8B-B14F-4D97-AF65-F5344CB8AC3E}">
@@ -4625,31 +5013,147 @@
           <a:p>
             <a:r>
               <a:rPr lang="en-US" dirty="0" smtClean="0"/>
-              <a:t>Recommendation System</a:t>
+              <a:t>Results</a:t>
             </a:r>
             <a:endParaRPr lang="en-US" dirty="0"/>
           </a:p>
         </p:txBody>
       </p:sp>
-      <p:sp>
-        <p:nvSpPr>
-          <p:cNvPr id="3" name="Content Placeholder 2"/>
-          <p:cNvSpPr>
-            <a:spLocks noGrp="1"/>
-          </p:cNvSpPr>
+      <p:graphicFrame>
+        <p:nvGraphicFramePr>
+          <p:cNvPr id="7" name="Content Placeholder 6"/>
+          <p:cNvGraphicFramePr>
+            <a:graphicFrameLocks noGrp="1"/>
+          </p:cNvGraphicFramePr>
           <p:nvPr>
             <p:ph idx="1"/>
-          </p:nvPr>
-        </p:nvSpPr>
-        <p:spPr/>
-        <p:txBody>
-          <a:bodyPr/>
-          <a:lstStyle/>
-          <a:p>
-            <a:endParaRPr lang="en-US"/>
-          </a:p>
-        </p:txBody>
-      </p:sp>
+            <p:extLst>
+              <p:ext uri="{D42A27DB-BD31-4B8C-83A1-F6EECF244321}">
+                <p14:modId xmlns:p14="http://schemas.microsoft.com/office/powerpoint/2010/main" val="815557471"/>
+              </p:ext>
+            </p:extLst>
+          </p:nvPr>
+        </p:nvGraphicFramePr>
+        <p:xfrm>
+          <a:off x="457200" y="1277938"/>
+          <a:ext cx="8229600" cy="1112520"/>
+        </p:xfrm>
+        <a:graphic>
+          <a:graphicData uri="http://schemas.openxmlformats.org/drawingml/2006/table">
+            <a:tbl>
+              <a:tblPr firstRow="1" bandRow="1">
+                <a:tableStyleId>{5C22544A-7EE6-4342-B048-85BDC9FD1C3A}</a:tableStyleId>
+              </a:tblPr>
+              <a:tblGrid>
+                <a:gridCol w="4114800"/>
+                <a:gridCol w="4114800"/>
+              </a:tblGrid>
+              <a:tr h="370840">
+                <a:tc>
+                  <a:txBody>
+                    <a:bodyPr/>
+                    <a:lstStyle/>
+                    <a:p>
+                      <a:r>
+                        <a:rPr lang="en-US" dirty="0" smtClean="0"/>
+                        <a:t>Method</a:t>
+                      </a:r>
+                      <a:endParaRPr lang="en-US" dirty="0"/>
+                    </a:p>
+                  </a:txBody>
+                  <a:tcPr/>
+                </a:tc>
+                <a:tc>
+                  <a:txBody>
+                    <a:bodyPr/>
+                    <a:lstStyle/>
+                    <a:p>
+                      <a:r>
+                        <a:rPr lang="en-US" dirty="0" smtClean="0"/>
+                        <a:t>Silhouette</a:t>
+                      </a:r>
+                      <a:r>
+                        <a:rPr lang="en-US" baseline="0" dirty="0" smtClean="0"/>
+                        <a:t> Score</a:t>
+                      </a:r>
+                      <a:endParaRPr lang="en-US" dirty="0"/>
+                    </a:p>
+                  </a:txBody>
+                  <a:tcPr/>
+                </a:tc>
+              </a:tr>
+              <a:tr h="370840">
+                <a:tc>
+                  <a:txBody>
+                    <a:bodyPr/>
+                    <a:lstStyle/>
+                    <a:p>
+                      <a:r>
+                        <a:rPr lang="en-US" dirty="0" smtClean="0"/>
+                        <a:t>K-Means (k=4)</a:t>
+                      </a:r>
+                      <a:endParaRPr lang="en-US" dirty="0"/>
+                    </a:p>
+                  </a:txBody>
+                  <a:tcPr/>
+                </a:tc>
+                <a:tc>
+                  <a:txBody>
+                    <a:bodyPr/>
+                    <a:lstStyle/>
+                    <a:p>
+                      <a:r>
+                        <a:rPr lang="en-US" dirty="0" smtClean="0"/>
+                        <a:t>0.29</a:t>
+                      </a:r>
+                      <a:endParaRPr lang="en-US" dirty="0"/>
+                    </a:p>
+                  </a:txBody>
+                  <a:tcPr/>
+                </a:tc>
+              </a:tr>
+              <a:tr h="370840">
+                <a:tc>
+                  <a:txBody>
+                    <a:bodyPr/>
+                    <a:lstStyle/>
+                    <a:p>
+                      <a:r>
+                        <a:rPr lang="en-US" dirty="0" smtClean="0"/>
+                        <a:t>GMM (</a:t>
+                      </a:r>
+                      <a:r>
+                        <a:rPr lang="en-US" dirty="0" err="1" smtClean="0"/>
+                        <a:t>n_components</a:t>
+                      </a:r>
+                      <a:r>
+                        <a:rPr lang="en-US" dirty="0" smtClean="0"/>
+                        <a:t>=15)</a:t>
+                      </a:r>
+                      <a:endParaRPr lang="en-US" dirty="0"/>
+                    </a:p>
+                  </a:txBody>
+                  <a:tcPr/>
+                </a:tc>
+                <a:tc>
+                  <a:txBody>
+                    <a:bodyPr/>
+                    <a:lstStyle/>
+                    <a:p>
+                      <a:r>
+                        <a:rPr lang="en-US" dirty="0" smtClean="0"/>
+                        <a:t>0.31</a:t>
+                      </a:r>
+                      <a:endParaRPr lang="en-US" dirty="0"/>
+                    </a:p>
+                  </a:txBody>
+                  <a:tcPr/>
+                </a:tc>
+              </a:tr>
+            </a:tbl>
+          </a:graphicData>
+        </a:graphic>
+      </p:graphicFrame>
       <p:sp>
         <p:nvSpPr>
           <p:cNvPr id="4" name="Date Placeholder 3"/>
@@ -4690,9 +5194,9 @@
           <a:p>
             <a:r>
               <a:rPr lang="en-US" smtClean="0"/>
-              <a:t>Presentation Title</a:t>
-            </a:r>
-            <a:endParaRPr lang="en-US"/>
+              <a:t>Yelp Data Mining</a:t>
+            </a:r>
+            <a:endParaRPr lang="en-US" dirty="0"/>
           </a:p>
         </p:txBody>
       </p:sp>
@@ -4722,7 +5226,7 @@
     </p:spTree>
     <p:extLst>
       <p:ext uri="{BB962C8B-B14F-4D97-AF65-F5344CB8AC3E}">
-        <p14:creationId xmlns:p14="http://schemas.microsoft.com/office/powerpoint/2010/main" val="2074009882"/>
+        <p14:creationId xmlns:p14="http://schemas.microsoft.com/office/powerpoint/2010/main" val="2096586907"/>
       </p:ext>
     </p:extLst>
   </p:cSld>
@@ -4758,51 +5262,7 @@
       </p:grpSpPr>
       <p:sp>
         <p:nvSpPr>
-          <p:cNvPr id="2" name="Title 1"/>
-          <p:cNvSpPr>
-            <a:spLocks noGrp="1"/>
-          </p:cNvSpPr>
-          <p:nvPr>
-            <p:ph type="title"/>
-          </p:nvPr>
-        </p:nvSpPr>
-        <p:spPr/>
-        <p:txBody>
-          <a:bodyPr>
-            <a:normAutofit fontScale="90000"/>
-          </a:bodyPr>
-          <a:lstStyle/>
-          <a:p>
-            <a:r>
-              <a:rPr lang="en-US" smtClean="0"/>
-              <a:t>Topic Model</a:t>
-            </a:r>
-            <a:endParaRPr lang="en-US"/>
-          </a:p>
-        </p:txBody>
-      </p:sp>
-      <p:sp>
-        <p:nvSpPr>
-          <p:cNvPr id="3" name="Content Placeholder 2"/>
-          <p:cNvSpPr>
-            <a:spLocks noGrp="1"/>
-          </p:cNvSpPr>
-          <p:nvPr>
-            <p:ph idx="1"/>
-          </p:nvPr>
-        </p:nvSpPr>
-        <p:spPr/>
-        <p:txBody>
-          <a:bodyPr/>
-          <a:lstStyle/>
-          <a:p>
-            <a:endParaRPr lang="en-US"/>
-          </a:p>
-        </p:txBody>
-      </p:sp>
-      <p:sp>
-        <p:nvSpPr>
-          <p:cNvPr id="4" name="Date Placeholder 3"/>
+          <p:cNvPr id="3" name="Date Placeholder 2"/>
           <p:cNvSpPr>
             <a:spLocks noGrp="1"/>
           </p:cNvSpPr>
@@ -4815,17 +5275,17 @@
           <a:bodyPr/>
           <a:lstStyle/>
           <a:p>
-            <a:fld id="{7B14BF03-6D7C-EE41-A3D6-9AC2C5A314DE}" type="datetime4">
+            <a:fld id="{582F525F-F280-904A-8B95-120BA1BA5DAA}" type="datetime4">
               <a:rPr lang="en-US" smtClean="0"/>
               <a:t>December 11, 2017</a:t>
             </a:fld>
-            <a:endParaRPr lang="en-US"/>
-          </a:p>
-        </p:txBody>
-      </p:sp>
-      <p:sp>
-        <p:nvSpPr>
-          <p:cNvPr id="5" name="Footer Placeholder 4"/>
+            <a:endParaRPr lang="en-US" dirty="0"/>
+          </a:p>
+        </p:txBody>
+      </p:sp>
+      <p:sp>
+        <p:nvSpPr>
+          <p:cNvPr id="4" name="Footer Placeholder 3"/>
           <p:cNvSpPr>
             <a:spLocks noGrp="1"/>
           </p:cNvSpPr>
@@ -4839,16 +5299,16 @@
           <a:lstStyle/>
           <a:p>
             <a:r>
-              <a:rPr lang="en-US" smtClean="0"/>
-              <a:t>Presentation Title</a:t>
-            </a:r>
-            <a:endParaRPr lang="en-US"/>
-          </a:p>
-        </p:txBody>
-      </p:sp>
-      <p:sp>
-        <p:nvSpPr>
-          <p:cNvPr id="6" name="Slide Number Placeholder 5"/>
+              <a:rPr lang="en-US" dirty="0"/>
+              <a:t>Yelp Data Mining</a:t>
+            </a:r>
+            <a:endParaRPr lang="en-US" dirty="0"/>
+          </a:p>
+        </p:txBody>
+      </p:sp>
+      <p:sp>
+        <p:nvSpPr>
+          <p:cNvPr id="5" name="Slide Number Placeholder 4"/>
           <p:cNvSpPr>
             <a:spLocks noGrp="1"/>
           </p:cNvSpPr>
@@ -4863,16 +5323,47 @@
           <a:p>
             <a:fld id="{A85782A5-310D-064D-97B2-7CD9DCF5F4D7}" type="slidenum">
               <a:rPr lang="en-US" smtClean="0"/>
+              <a:pPr/>
               <a:t>8</a:t>
             </a:fld>
-            <a:endParaRPr lang="en-US"/>
-          </a:p>
-        </p:txBody>
-      </p:sp>
+            <a:endParaRPr lang="en-US" dirty="0"/>
+          </a:p>
+        </p:txBody>
+      </p:sp>
+      <p:pic>
+        <p:nvPicPr>
+          <p:cNvPr id="6" name="Picture 5"/>
+          <p:cNvPicPr>
+            <a:picLocks noChangeAspect="1"/>
+          </p:cNvPicPr>
+          <p:nvPr/>
+        </p:nvPicPr>
+        <p:blipFill>
+          <a:blip r:embed="rId2">
+            <a:extLst>
+              <a:ext uri="{28A0092B-C50C-407E-A947-70E740481C1C}">
+                <a14:useLocalDpi xmlns:a14="http://schemas.microsoft.com/office/drawing/2010/main" val="0"/>
+              </a:ext>
+            </a:extLst>
+          </a:blip>
+          <a:stretch>
+            <a:fillRect/>
+          </a:stretch>
+        </p:blipFill>
+        <p:spPr>
+          <a:xfrm>
+            <a:off x="812385" y="531857"/>
+            <a:ext cx="6918733" cy="5688577"/>
+          </a:xfrm>
+          <a:prstGeom prst="rect">
+            <a:avLst/>
+          </a:prstGeom>
+        </p:spPr>
+      </p:pic>
     </p:spTree>
     <p:extLst>
       <p:ext uri="{BB962C8B-B14F-4D97-AF65-F5344CB8AC3E}">
-        <p14:creationId xmlns:p14="http://schemas.microsoft.com/office/powerpoint/2010/main" val="265455434"/>
+        <p14:creationId xmlns:p14="http://schemas.microsoft.com/office/powerpoint/2010/main" val="2055306844"/>
       </p:ext>
     </p:extLst>
   </p:cSld>
@@ -4908,7 +5399,7 @@
       </p:grpSpPr>
       <p:sp>
         <p:nvSpPr>
-          <p:cNvPr id="7" name="Title 6"/>
+          <p:cNvPr id="2" name="Title 1"/>
           <p:cNvSpPr>
             <a:spLocks noGrp="1"/>
           </p:cNvSpPr>
@@ -4925,7 +5416,7 @@
           <a:p>
             <a:r>
               <a:rPr lang="en-US" dirty="0" smtClean="0"/>
-              <a:t>Title Only!</a:t>
+              <a:t>Recommendation System</a:t>
             </a:r>
             <a:endParaRPr lang="en-US" dirty="0"/>
           </a:p>
@@ -4933,6 +5424,25 @@
       </p:sp>
       <p:sp>
         <p:nvSpPr>
+          <p:cNvPr id="3" name="Content Placeholder 2"/>
+          <p:cNvSpPr>
+            <a:spLocks noGrp="1"/>
+          </p:cNvSpPr>
+          <p:nvPr>
+            <p:ph idx="1"/>
+          </p:nvPr>
+        </p:nvSpPr>
+        <p:spPr/>
+        <p:txBody>
+          <a:bodyPr/>
+          <a:lstStyle/>
+          <a:p>
+            <a:endParaRPr lang="en-US"/>
+          </a:p>
+        </p:txBody>
+      </p:sp>
+      <p:sp>
+        <p:nvSpPr>
           <p:cNvPr id="4" name="Date Placeholder 3"/>
           <p:cNvSpPr>
             <a:spLocks noGrp="1"/>
@@ -4946,7 +5456,7 @@
           <a:bodyPr/>
           <a:lstStyle/>
           <a:p>
-            <a:fld id="{DE8A11AC-E8D7-AC43-AFE2-3ED729813C1F}" type="datetime4">
+            <a:fld id="{7B14BF03-6D7C-EE41-A3D6-9AC2C5A314DE}" type="datetime4">
               <a:rPr lang="en-US" smtClean="0"/>
               <a:t>December 11, 2017</a:t>
             </a:fld>
@@ -4970,10 +5480,10 @@
           <a:lstStyle/>
           <a:p>
             <a:r>
-              <a:rPr lang="en-US" smtClean="0"/>
-              <a:t>Presentation Title</a:t>
-            </a:r>
-            <a:endParaRPr lang="en-US"/>
+              <a:rPr lang="en-US" dirty="0"/>
+              <a:t>Yelp Data Mining</a:t>
+            </a:r>
+            <a:endParaRPr lang="en-US" dirty="0"/>
           </a:p>
         </p:txBody>
       </p:sp>
@@ -5003,7 +5513,7 @@
     </p:spTree>
     <p:extLst>
       <p:ext uri="{BB962C8B-B14F-4D97-AF65-F5344CB8AC3E}">
-        <p14:creationId xmlns:p14="http://schemas.microsoft.com/office/powerpoint/2010/main" val="927626367"/>
+        <p14:creationId xmlns:p14="http://schemas.microsoft.com/office/powerpoint/2010/main" val="2074009882"/>
       </p:ext>
     </p:extLst>
   </p:cSld>
